--- a/new doc/Presentation1.pptx
+++ b/new doc/Presentation1.pptx
@@ -7,6 +7,7 @@
   <p:sldIdLst>
     <p:sldId id="256" r:id="rId2"/>
     <p:sldId id="257" r:id="rId3"/>
+    <p:sldId id="258" r:id="rId4"/>
   </p:sldIdLst>
   <p:sldSz cx="9144000" cy="6858000" type="screen4x3"/>
   <p:notesSz cx="6858000" cy="9144000"/>
@@ -289,7 +290,8 @@
           <a:p>
             <a:fld id="{C8D4D13C-77FD-40A7-BF77-A048F79676EB}" type="datetimeFigureOut">
               <a:rPr lang="en-US" smtClean="0"/>
-              <a:t>7/26/2020</a:t>
+              <a:pPr/>
+              <a:t>8/8/2020</a:t>
             </a:fld>
             <a:endParaRPr lang="en-US"/>
           </a:p>
@@ -331,6 +333,7 @@
           <a:p>
             <a:fld id="{5DB978FF-4620-4568-8347-C728B7259419}" type="slidenum">
               <a:rPr lang="en-US" smtClean="0"/>
+              <a:pPr/>
               <a:t>‹#›</a:t>
             </a:fld>
             <a:endParaRPr lang="en-US"/>
@@ -454,7 +457,8 @@
           <a:p>
             <a:fld id="{C8D4D13C-77FD-40A7-BF77-A048F79676EB}" type="datetimeFigureOut">
               <a:rPr lang="en-US" smtClean="0"/>
-              <a:t>7/26/2020</a:t>
+              <a:pPr/>
+              <a:t>8/8/2020</a:t>
             </a:fld>
             <a:endParaRPr lang="en-US"/>
           </a:p>
@@ -496,6 +500,7 @@
           <a:p>
             <a:fld id="{5DB978FF-4620-4568-8347-C728B7259419}" type="slidenum">
               <a:rPr lang="en-US" smtClean="0"/>
+              <a:pPr/>
               <a:t>‹#›</a:t>
             </a:fld>
             <a:endParaRPr lang="en-US"/>
@@ -629,7 +634,8 @@
           <a:p>
             <a:fld id="{C8D4D13C-77FD-40A7-BF77-A048F79676EB}" type="datetimeFigureOut">
               <a:rPr lang="en-US" smtClean="0"/>
-              <a:t>7/26/2020</a:t>
+              <a:pPr/>
+              <a:t>8/8/2020</a:t>
             </a:fld>
             <a:endParaRPr lang="en-US"/>
           </a:p>
@@ -671,6 +677,7 @@
           <a:p>
             <a:fld id="{5DB978FF-4620-4568-8347-C728B7259419}" type="slidenum">
               <a:rPr lang="en-US" smtClean="0"/>
+              <a:pPr/>
               <a:t>‹#›</a:t>
             </a:fld>
             <a:endParaRPr lang="en-US"/>
@@ -794,7 +801,8 @@
           <a:p>
             <a:fld id="{C8D4D13C-77FD-40A7-BF77-A048F79676EB}" type="datetimeFigureOut">
               <a:rPr lang="en-US" smtClean="0"/>
-              <a:t>7/26/2020</a:t>
+              <a:pPr/>
+              <a:t>8/8/2020</a:t>
             </a:fld>
             <a:endParaRPr lang="en-US"/>
           </a:p>
@@ -836,6 +844,7 @@
           <a:p>
             <a:fld id="{5DB978FF-4620-4568-8347-C728B7259419}" type="slidenum">
               <a:rPr lang="en-US" smtClean="0"/>
+              <a:pPr/>
               <a:t>‹#›</a:t>
             </a:fld>
             <a:endParaRPr lang="en-US"/>
@@ -1035,7 +1044,8 @@
           <a:p>
             <a:fld id="{C8D4D13C-77FD-40A7-BF77-A048F79676EB}" type="datetimeFigureOut">
               <a:rPr lang="en-US" smtClean="0"/>
-              <a:t>7/26/2020</a:t>
+              <a:pPr/>
+              <a:t>8/8/2020</a:t>
             </a:fld>
             <a:endParaRPr lang="en-US"/>
           </a:p>
@@ -1077,6 +1087,7 @@
           <a:p>
             <a:fld id="{5DB978FF-4620-4568-8347-C728B7259419}" type="slidenum">
               <a:rPr lang="en-US" smtClean="0"/>
+              <a:pPr/>
               <a:t>‹#›</a:t>
             </a:fld>
             <a:endParaRPr lang="en-US"/>
@@ -1318,7 +1329,8 @@
           <a:p>
             <a:fld id="{C8D4D13C-77FD-40A7-BF77-A048F79676EB}" type="datetimeFigureOut">
               <a:rPr lang="en-US" smtClean="0"/>
-              <a:t>7/26/2020</a:t>
+              <a:pPr/>
+              <a:t>8/8/2020</a:t>
             </a:fld>
             <a:endParaRPr lang="en-US"/>
           </a:p>
@@ -1360,6 +1372,7 @@
           <a:p>
             <a:fld id="{5DB978FF-4620-4568-8347-C728B7259419}" type="slidenum">
               <a:rPr lang="en-US" smtClean="0"/>
+              <a:pPr/>
               <a:t>‹#›</a:t>
             </a:fld>
             <a:endParaRPr lang="en-US"/>
@@ -1735,7 +1748,8 @@
           <a:p>
             <a:fld id="{C8D4D13C-77FD-40A7-BF77-A048F79676EB}" type="datetimeFigureOut">
               <a:rPr lang="en-US" smtClean="0"/>
-              <a:t>7/26/2020</a:t>
+              <a:pPr/>
+              <a:t>8/8/2020</a:t>
             </a:fld>
             <a:endParaRPr lang="en-US"/>
           </a:p>
@@ -1777,6 +1791,7 @@
           <a:p>
             <a:fld id="{5DB978FF-4620-4568-8347-C728B7259419}" type="slidenum">
               <a:rPr lang="en-US" smtClean="0"/>
+              <a:pPr/>
               <a:t>‹#›</a:t>
             </a:fld>
             <a:endParaRPr lang="en-US"/>
@@ -1848,7 +1863,8 @@
           <a:p>
             <a:fld id="{C8D4D13C-77FD-40A7-BF77-A048F79676EB}" type="datetimeFigureOut">
               <a:rPr lang="en-US" smtClean="0"/>
-              <a:t>7/26/2020</a:t>
+              <a:pPr/>
+              <a:t>8/8/2020</a:t>
             </a:fld>
             <a:endParaRPr lang="en-US"/>
           </a:p>
@@ -1890,6 +1906,7 @@
           <a:p>
             <a:fld id="{5DB978FF-4620-4568-8347-C728B7259419}" type="slidenum">
               <a:rPr lang="en-US" smtClean="0"/>
+              <a:pPr/>
               <a:t>‹#›</a:t>
             </a:fld>
             <a:endParaRPr lang="en-US"/>
@@ -1938,7 +1955,8 @@
           <a:p>
             <a:fld id="{C8D4D13C-77FD-40A7-BF77-A048F79676EB}" type="datetimeFigureOut">
               <a:rPr lang="en-US" smtClean="0"/>
-              <a:t>7/26/2020</a:t>
+              <a:pPr/>
+              <a:t>8/8/2020</a:t>
             </a:fld>
             <a:endParaRPr lang="en-US"/>
           </a:p>
@@ -1980,6 +1998,7 @@
           <a:p>
             <a:fld id="{5DB978FF-4620-4568-8347-C728B7259419}" type="slidenum">
               <a:rPr lang="en-US" smtClean="0"/>
+              <a:pPr/>
               <a:t>‹#›</a:t>
             </a:fld>
             <a:endParaRPr lang="en-US"/>
@@ -2210,7 +2229,8 @@
           <a:p>
             <a:fld id="{C8D4D13C-77FD-40A7-BF77-A048F79676EB}" type="datetimeFigureOut">
               <a:rPr lang="en-US" smtClean="0"/>
-              <a:t>7/26/2020</a:t>
+              <a:pPr/>
+              <a:t>8/8/2020</a:t>
             </a:fld>
             <a:endParaRPr lang="en-US"/>
           </a:p>
@@ -2252,6 +2272,7 @@
           <a:p>
             <a:fld id="{5DB978FF-4620-4568-8347-C728B7259419}" type="slidenum">
               <a:rPr lang="en-US" smtClean="0"/>
+              <a:pPr/>
               <a:t>‹#›</a:t>
             </a:fld>
             <a:endParaRPr lang="en-US"/>
@@ -2458,7 +2479,8 @@
           <a:p>
             <a:fld id="{C8D4D13C-77FD-40A7-BF77-A048F79676EB}" type="datetimeFigureOut">
               <a:rPr lang="en-US" smtClean="0"/>
-              <a:t>7/26/2020</a:t>
+              <a:pPr/>
+              <a:t>8/8/2020</a:t>
             </a:fld>
             <a:endParaRPr lang="en-US"/>
           </a:p>
@@ -2500,6 +2522,7 @@
           <a:p>
             <a:fld id="{5DB978FF-4620-4568-8347-C728B7259419}" type="slidenum">
               <a:rPr lang="en-US" smtClean="0"/>
+              <a:pPr/>
               <a:t>‹#›</a:t>
             </a:fld>
             <a:endParaRPr lang="en-US"/>
@@ -2666,7 +2689,8 @@
           <a:p>
             <a:fld id="{C8D4D13C-77FD-40A7-BF77-A048F79676EB}" type="datetimeFigureOut">
               <a:rPr lang="en-US" smtClean="0"/>
-              <a:t>7/26/2020</a:t>
+              <a:pPr/>
+              <a:t>8/8/2020</a:t>
             </a:fld>
             <a:endParaRPr lang="en-US"/>
           </a:p>
@@ -2744,6 +2768,7 @@
           <a:p>
             <a:fld id="{5DB978FF-4620-4568-8347-C728B7259419}" type="slidenum">
               <a:rPr lang="en-US" smtClean="0"/>
+              <a:pPr/>
               <a:t>‹#›</a:t>
             </a:fld>
             <a:endParaRPr lang="en-US"/>
@@ -3038,7 +3063,7 @@
       </p:grpSpPr>
       <p:pic>
         <p:nvPicPr>
-          <p:cNvPr id="1026" name="Picture 2" descr="C:\Users\user\Desktop\new doc\ER.png"/>
+          <p:cNvPr id="2" name="Picture 2" descr="C:\Users\user\Desktop\new doc\ER1.png"/>
           <p:cNvPicPr>
             <a:picLocks noChangeAspect="1" noChangeArrowheads="1"/>
           </p:cNvPicPr>
@@ -3053,8 +3078,8 @@
         </p:blipFill>
         <p:spPr bwMode="auto">
           <a:xfrm>
-            <a:off x="0" y="0"/>
-            <a:ext cx="9144000" cy="6858000"/>
+            <a:off x="-1" y="0"/>
+            <a:ext cx="9144001" cy="6858000"/>
           </a:xfrm>
           <a:prstGeom prst="rect">
             <a:avLst/>
@@ -3111,8 +3136,66 @@
         </p:blipFill>
         <p:spPr bwMode="auto">
           <a:xfrm>
-            <a:off x="0" y="0"/>
+            <a:off x="0" y="285728"/>
             <a:ext cx="9144000" cy="6858000"/>
+          </a:xfrm>
+          <a:prstGeom prst="rect">
+            <a:avLst/>
+          </a:prstGeom>
+          <a:noFill/>
+        </p:spPr>
+      </p:pic>
+    </p:spTree>
+  </p:cSld>
+  <p:clrMapOvr>
+    <a:masterClrMapping/>
+  </p:clrMapOvr>
+  <p:timing>
+    <p:tnLst>
+      <p:par>
+        <p:cTn id="1" dur="indefinite" restart="never" nodeType="tmRoot"/>
+      </p:par>
+    </p:tnLst>
+  </p:timing>
+</p:sld>
+</file>
+
+<file path=ppt/slides/slide3.xml><?xml version="1.0" encoding="utf-8"?>
+<p:sld xmlns:a="http://schemas.openxmlformats.org/drawingml/2006/main" xmlns:r="http://schemas.openxmlformats.org/officeDocument/2006/relationships" xmlns:p="http://schemas.openxmlformats.org/presentationml/2006/main">
+  <p:cSld>
+    <p:spTree>
+      <p:nvGrpSpPr>
+        <p:cNvPr id="1" name=""/>
+        <p:cNvGrpSpPr/>
+        <p:nvPr/>
+      </p:nvGrpSpPr>
+      <p:grpSpPr>
+        <a:xfrm>
+          <a:off x="0" y="0"/>
+          <a:ext cx="0" cy="0"/>
+          <a:chOff x="0" y="0"/>
+          <a:chExt cx="0" cy="0"/>
+        </a:xfrm>
+      </p:grpSpPr>
+      <p:pic>
+        <p:nvPicPr>
+          <p:cNvPr id="1026" name="Picture 2" descr="C:\Users\user\Desktop\new doc\EUlevel1-1.png"/>
+          <p:cNvPicPr>
+            <a:picLocks noChangeAspect="1" noChangeArrowheads="1"/>
+          </p:cNvPicPr>
+          <p:nvPr/>
+        </p:nvPicPr>
+        <p:blipFill>
+          <a:blip r:embed="rId2" cstate="print"/>
+          <a:srcRect/>
+          <a:stretch>
+            <a:fillRect/>
+          </a:stretch>
+        </p:blipFill>
+        <p:spPr bwMode="auto">
+          <a:xfrm>
+            <a:off x="1000100" y="0"/>
+            <a:ext cx="7286644" cy="6858000"/>
           </a:xfrm>
           <a:prstGeom prst="rect">
             <a:avLst/>
